--- a/Lectures/Lecture 6/Lecture 6.pptx
+++ b/Lectures/Lecture 6/Lecture 6.pptx
@@ -236,7 +236,7 @@
           <a:p>
             <a:fld id="{467FE51A-BC06-4E6F-B1DA-B477364E598F}" type="datetimeFigureOut">
               <a:rPr lang="en-US" smtClean="0"/>
-              <a:t>1/23/2020</a:t>
+              <a:t>1/24/2020</a:t>
             </a:fld>
             <a:endParaRPr lang="en-US"/>
           </a:p>
@@ -2498,7 +2498,7 @@
           <a:p>
             <a:fld id="{11C4ABE2-2F1A-4C31-A43A-C3E7CE49CE95}" type="datetimeFigureOut">
               <a:rPr lang="en-US" smtClean="0"/>
-              <a:t>1/23/2020</a:t>
+              <a:t>1/24/2020</a:t>
             </a:fld>
             <a:endParaRPr lang="en-US"/>
           </a:p>
@@ -2696,7 +2696,7 @@
           <a:p>
             <a:fld id="{11C4ABE2-2F1A-4C31-A43A-C3E7CE49CE95}" type="datetimeFigureOut">
               <a:rPr lang="en-US" smtClean="0"/>
-              <a:t>1/23/2020</a:t>
+              <a:t>1/24/2020</a:t>
             </a:fld>
             <a:endParaRPr lang="en-US"/>
           </a:p>
@@ -2904,7 +2904,7 @@
           <a:p>
             <a:fld id="{11C4ABE2-2F1A-4C31-A43A-C3E7CE49CE95}" type="datetimeFigureOut">
               <a:rPr lang="en-US" smtClean="0"/>
-              <a:t>1/23/2020</a:t>
+              <a:t>1/24/2020</a:t>
             </a:fld>
             <a:endParaRPr lang="en-US"/>
           </a:p>
@@ -3102,7 +3102,7 @@
           <a:p>
             <a:fld id="{11C4ABE2-2F1A-4C31-A43A-C3E7CE49CE95}" type="datetimeFigureOut">
               <a:rPr lang="en-US" smtClean="0"/>
-              <a:t>1/23/2020</a:t>
+              <a:t>1/24/2020</a:t>
             </a:fld>
             <a:endParaRPr lang="en-US"/>
           </a:p>
@@ -3377,7 +3377,7 @@
           <a:p>
             <a:fld id="{11C4ABE2-2F1A-4C31-A43A-C3E7CE49CE95}" type="datetimeFigureOut">
               <a:rPr lang="en-US" smtClean="0"/>
-              <a:t>1/23/2020</a:t>
+              <a:t>1/24/2020</a:t>
             </a:fld>
             <a:endParaRPr lang="en-US"/>
           </a:p>
@@ -3642,7 +3642,7 @@
           <a:p>
             <a:fld id="{11C4ABE2-2F1A-4C31-A43A-C3E7CE49CE95}" type="datetimeFigureOut">
               <a:rPr lang="en-US" smtClean="0"/>
-              <a:t>1/23/2020</a:t>
+              <a:t>1/24/2020</a:t>
             </a:fld>
             <a:endParaRPr lang="en-US"/>
           </a:p>
@@ -4054,7 +4054,7 @@
           <a:p>
             <a:fld id="{11C4ABE2-2F1A-4C31-A43A-C3E7CE49CE95}" type="datetimeFigureOut">
               <a:rPr lang="en-US" smtClean="0"/>
-              <a:t>1/23/2020</a:t>
+              <a:t>1/24/2020</a:t>
             </a:fld>
             <a:endParaRPr lang="en-US"/>
           </a:p>
@@ -4195,7 +4195,7 @@
           <a:p>
             <a:fld id="{11C4ABE2-2F1A-4C31-A43A-C3E7CE49CE95}" type="datetimeFigureOut">
               <a:rPr lang="en-US" smtClean="0"/>
-              <a:t>1/23/2020</a:t>
+              <a:t>1/24/2020</a:t>
             </a:fld>
             <a:endParaRPr lang="en-US"/>
           </a:p>
@@ -4308,7 +4308,7 @@
           <a:p>
             <a:fld id="{11C4ABE2-2F1A-4C31-A43A-C3E7CE49CE95}" type="datetimeFigureOut">
               <a:rPr lang="en-US" smtClean="0"/>
-              <a:t>1/23/2020</a:t>
+              <a:t>1/24/2020</a:t>
             </a:fld>
             <a:endParaRPr lang="en-US"/>
           </a:p>
@@ -4619,7 +4619,7 @@
           <a:p>
             <a:fld id="{11C4ABE2-2F1A-4C31-A43A-C3E7CE49CE95}" type="datetimeFigureOut">
               <a:rPr lang="en-US" smtClean="0"/>
-              <a:t>1/23/2020</a:t>
+              <a:t>1/24/2020</a:t>
             </a:fld>
             <a:endParaRPr lang="en-US"/>
           </a:p>
@@ -4907,7 +4907,7 @@
           <a:p>
             <a:fld id="{11C4ABE2-2F1A-4C31-A43A-C3E7CE49CE95}" type="datetimeFigureOut">
               <a:rPr lang="en-US" smtClean="0"/>
-              <a:t>1/23/2020</a:t>
+              <a:t>1/24/2020</a:t>
             </a:fld>
             <a:endParaRPr lang="en-US"/>
           </a:p>
@@ -5148,7 +5148,7 @@
           <a:p>
             <a:fld id="{11C4ABE2-2F1A-4C31-A43A-C3E7CE49CE95}" type="datetimeFigureOut">
               <a:rPr lang="en-US" smtClean="0"/>
-              <a:t>1/23/2020</a:t>
+              <a:t>1/24/2020</a:t>
             </a:fld>
             <a:endParaRPr lang="en-US"/>
           </a:p>
@@ -9208,7 +9208,16 @@
                         </a:solidFill>
                         <a:latin typeface="Cambria Math" panose="02040503050406030204" pitchFamily="18" charset="0"/>
                       </a:rPr>
-                      <m:t> 3</m:t>
+                      <m:t> </m:t>
+                    </m:r>
+                    <m:r>
+                      <a:rPr lang="en-US" sz="2000" b="0" i="1" smtClean="0">
+                        <a:solidFill>
+                          <a:srgbClr val="404040"/>
+                        </a:solidFill>
+                        <a:latin typeface="Cambria Math" panose="02040503050406030204" pitchFamily="18" charset="0"/>
+                      </a:rPr>
+                      <m:t>4</m:t>
                     </m:r>
                     <m:r>
                       <a:rPr lang="en-US" sz="2000" i="1">
@@ -9217,7 +9226,16 @@
                         </a:solidFill>
                         <a:latin typeface="Cambria Math" panose="02040503050406030204" pitchFamily="18" charset="0"/>
                       </a:rPr>
-                      <m:t>×4</m:t>
+                      <m:t>×</m:t>
+                    </m:r>
+                    <m:r>
+                      <a:rPr lang="en-US" sz="2000" b="0" i="1" smtClean="0">
+                        <a:solidFill>
+                          <a:srgbClr val="404040"/>
+                        </a:solidFill>
+                        <a:latin typeface="Cambria Math" panose="02040503050406030204" pitchFamily="18" charset="0"/>
+                      </a:rPr>
+                      <m:t>3</m:t>
                     </m:r>
                   </m:oMath>
                 </a14:m>
@@ -10470,8 +10488,8 @@
           </a:p>
         </p:txBody>
       </p:sp>
-      <mc:AlternateContent xmlns:mc="http://schemas.openxmlformats.org/markup-compatibility/2006">
-        <mc:Choice xmlns:a14="http://schemas.microsoft.com/office/drawing/2010/main" Requires="a14">
+      <mc:AlternateContent xmlns:mc="http://schemas.openxmlformats.org/markup-compatibility/2006" xmlns:a14="http://schemas.microsoft.com/office/drawing/2010/main">
+        <mc:Choice Requires="a14">
           <p:sp>
             <p:nvSpPr>
               <p:cNvPr id="36" name="TextBox 35">
@@ -11257,7 +11275,7 @@
             </p:txBody>
           </p:sp>
         </mc:Choice>
-        <mc:Fallback>
+        <mc:Fallback xmlns="">
           <p:sp>
             <p:nvSpPr>
               <p:cNvPr id="36" name="TextBox 35">
@@ -11419,8 +11437,8 @@
           </a:prstGeom>
         </p:spPr>
       </p:pic>
-      <mc:AlternateContent xmlns:mc="http://schemas.openxmlformats.org/markup-compatibility/2006">
-        <mc:Choice xmlns:a14="http://schemas.microsoft.com/office/drawing/2010/main" Requires="a14">
+      <mc:AlternateContent xmlns:mc="http://schemas.openxmlformats.org/markup-compatibility/2006" xmlns:a14="http://schemas.microsoft.com/office/drawing/2010/main">
+        <mc:Choice Requires="a14">
           <p:sp>
             <p:nvSpPr>
               <p:cNvPr id="4" name="TextBox 3">
@@ -11710,16 +11728,7 @@
                                       </a:solidFill>
                                       <a:latin typeface="Cambria Math" panose="02040503050406030204" pitchFamily="18" charset="0"/>
                                     </a:rPr>
-                                    <m:t>2</m:t>
-                                  </m:r>
-                                  <m:r>
-                                    <a:rPr lang="en-US" sz="2000" i="1">
-                                      <a:solidFill>
-                                        <a:srgbClr val="404040"/>
-                                      </a:solidFill>
-                                      <a:latin typeface="Cambria Math" panose="02040503050406030204" pitchFamily="18" charset="0"/>
-                                    </a:rPr>
-                                    <m:t>1</m:t>
+                                    <m:t>21</m:t>
                                   </m:r>
                                 </m:sub>
                               </m:sSub>
@@ -11865,16 +11874,7 @@
                                       </a:solidFill>
                                       <a:latin typeface="Cambria Math" panose="02040503050406030204" pitchFamily="18" charset="0"/>
                                     </a:rPr>
-                                    <m:t>3</m:t>
-                                  </m:r>
-                                  <m:r>
-                                    <a:rPr lang="en-US" sz="2000" i="1">
-                                      <a:solidFill>
-                                        <a:srgbClr val="404040"/>
-                                      </a:solidFill>
-                                      <a:latin typeface="Cambria Math" panose="02040503050406030204" pitchFamily="18" charset="0"/>
-                                    </a:rPr>
-                                    <m:t>1</m:t>
+                                    <m:t>31</m:t>
                                   </m:r>
                                 </m:sub>
                               </m:sSub>
@@ -12151,16 +12151,7 @@
                                       </a:solidFill>
                                       <a:latin typeface="Cambria Math" panose="02040503050406030204" pitchFamily="18" charset="0"/>
                                     </a:rPr>
-                                    <m:t>2</m:t>
-                                  </m:r>
-                                  <m:r>
-                                    <a:rPr lang="en-US" sz="2000" i="1">
-                                      <a:solidFill>
-                                        <a:srgbClr val="404040"/>
-                                      </a:solidFill>
-                                      <a:latin typeface="Cambria Math" panose="02040503050406030204" pitchFamily="18" charset="0"/>
-                                    </a:rPr>
-                                    <m:t>1</m:t>
+                                    <m:t>21</m:t>
                                   </m:r>
                                 </m:sub>
                               </m:sSub>
@@ -12234,16 +12225,7 @@
                                       </a:solidFill>
                                       <a:latin typeface="Cambria Math" panose="02040503050406030204" pitchFamily="18" charset="0"/>
                                     </a:rPr>
-                                    <m:t>3</m:t>
-                                  </m:r>
-                                  <m:r>
-                                    <a:rPr lang="en-US" sz="2000" i="1">
-                                      <a:solidFill>
-                                        <a:srgbClr val="404040"/>
-                                      </a:solidFill>
-                                      <a:latin typeface="Cambria Math" panose="02040503050406030204" pitchFamily="18" charset="0"/>
-                                    </a:rPr>
-                                    <m:t>1</m:t>
+                                    <m:t>31</m:t>
                                   </m:r>
                                 </m:sub>
                               </m:sSub>
@@ -12317,16 +12299,7 @@
                                       </a:solidFill>
                                       <a:latin typeface="Cambria Math" panose="02040503050406030204" pitchFamily="18" charset="0"/>
                                     </a:rPr>
-                                    <m:t>4</m:t>
-                                  </m:r>
-                                  <m:r>
-                                    <a:rPr lang="en-US" sz="2000" i="1">
-                                      <a:solidFill>
-                                        <a:srgbClr val="404040"/>
-                                      </a:solidFill>
-                                      <a:latin typeface="Cambria Math" panose="02040503050406030204" pitchFamily="18" charset="0"/>
-                                    </a:rPr>
-                                    <m:t>1</m:t>
+                                    <m:t>41</m:t>
                                   </m:r>
                                 </m:sub>
                               </m:sSub>
@@ -12657,7 +12630,7 @@
             </p:txBody>
           </p:sp>
         </mc:Choice>
-        <mc:Fallback>
+        <mc:Fallback xmlns="">
           <p:sp>
             <p:nvSpPr>
               <p:cNvPr id="4" name="TextBox 3">
@@ -12702,8 +12675,8 @@
           </p:sp>
         </mc:Fallback>
       </mc:AlternateContent>
-      <mc:AlternateContent xmlns:mc="http://schemas.openxmlformats.org/markup-compatibility/2006">
-        <mc:Choice xmlns:a14="http://schemas.microsoft.com/office/drawing/2010/main" Requires="a14">
+      <mc:AlternateContent xmlns:mc="http://schemas.openxmlformats.org/markup-compatibility/2006" xmlns:a14="http://schemas.microsoft.com/office/drawing/2010/main">
+        <mc:Choice Requires="a14">
           <p:sp>
             <p:nvSpPr>
               <p:cNvPr id="23" name="TextBox 22">
@@ -12732,6 +12705,7 @@
               </a:bodyPr>
               <a:lstStyle/>
               <a:p>
+                <a:pPr/>
                 <a14:m>
                   <m:oMathPara xmlns:m="http://schemas.openxmlformats.org/officeDocument/2006/math">
                     <m:oMathParaPr>
@@ -13109,7 +13083,7 @@
             </p:txBody>
           </p:sp>
         </mc:Choice>
-        <mc:Fallback>
+        <mc:Fallback xmlns="">
           <p:sp>
             <p:nvSpPr>
               <p:cNvPr id="23" name="TextBox 22">
@@ -13930,8 +13904,8 @@
           </a:p>
         </p:txBody>
       </p:sp>
-      <mc:AlternateContent xmlns:mc="http://schemas.openxmlformats.org/markup-compatibility/2006">
-        <mc:Choice xmlns:a14="http://schemas.microsoft.com/office/drawing/2010/main" Requires="a14">
+      <mc:AlternateContent xmlns:mc="http://schemas.openxmlformats.org/markup-compatibility/2006" xmlns:a14="http://schemas.microsoft.com/office/drawing/2010/main">
+        <mc:Choice Requires="a14">
           <p:sp>
             <p:nvSpPr>
               <p:cNvPr id="36" name="TextBox 35">
@@ -14953,7 +14927,7 @@
             </p:txBody>
           </p:sp>
         </mc:Choice>
-        <mc:Fallback>
+        <mc:Fallback xmlns="">
           <p:sp>
             <p:nvSpPr>
               <p:cNvPr id="36" name="TextBox 35">
@@ -15115,8 +15089,8 @@
           </a:prstGeom>
         </p:spPr>
       </p:pic>
-      <mc:AlternateContent xmlns:mc="http://schemas.openxmlformats.org/markup-compatibility/2006">
-        <mc:Choice xmlns:a14="http://schemas.microsoft.com/office/drawing/2010/main" Requires="a14">
+      <mc:AlternateContent xmlns:mc="http://schemas.openxmlformats.org/markup-compatibility/2006" xmlns:a14="http://schemas.microsoft.com/office/drawing/2010/main">
+        <mc:Choice Requires="a14">
           <p:sp>
             <p:nvSpPr>
               <p:cNvPr id="4" name="TextBox 3">
@@ -15145,6 +15119,7 @@
               </a:bodyPr>
               <a:lstStyle/>
               <a:p>
+                <a:pPr/>
                 <a14:m>
                   <m:oMathPara xmlns:m="http://schemas.openxmlformats.org/officeDocument/2006/math">
                     <m:oMathParaPr>
@@ -15360,7 +15335,7 @@
             </p:txBody>
           </p:sp>
         </mc:Choice>
-        <mc:Fallback>
+        <mc:Fallback xmlns="">
           <p:sp>
             <p:nvSpPr>
               <p:cNvPr id="4" name="TextBox 3">
@@ -15405,8 +15380,8 @@
           </p:sp>
         </mc:Fallback>
       </mc:AlternateContent>
-      <mc:AlternateContent xmlns:mc="http://schemas.openxmlformats.org/markup-compatibility/2006">
-        <mc:Choice xmlns:a14="http://schemas.microsoft.com/office/drawing/2010/main" Requires="a14">
+      <mc:AlternateContent xmlns:mc="http://schemas.openxmlformats.org/markup-compatibility/2006" xmlns:a14="http://schemas.microsoft.com/office/drawing/2010/main">
+        <mc:Choice Requires="a14">
           <p:sp>
             <p:nvSpPr>
               <p:cNvPr id="29" name="TextBox 28">
@@ -15435,6 +15410,7 @@
               </a:bodyPr>
               <a:lstStyle/>
               <a:p>
+                <a:pPr/>
                 <a14:m>
                   <m:oMathPara xmlns:m="http://schemas.openxmlformats.org/officeDocument/2006/math">
                     <m:oMathParaPr>
@@ -15591,7 +15567,16 @@
                                     </a:solidFill>
                                     <a:latin typeface="Cambria Math" panose="02040503050406030204" pitchFamily="18" charset="0"/>
                                   </a:rPr>
-                                  <m:t>−8</m:t>
+                                  <m:t>−</m:t>
+                                </m:r>
+                                <m:r>
+                                  <a:rPr lang="en-US" b="0" i="1" smtClean="0">
+                                    <a:solidFill>
+                                      <a:srgbClr val="404040"/>
+                                    </a:solidFill>
+                                    <a:latin typeface="Cambria Math" panose="02040503050406030204" pitchFamily="18" charset="0"/>
+                                  </a:rPr>
+                                  <m:t>8</m:t>
                                 </m:r>
                               </m:e>
                               <m:e>
@@ -15641,7 +15626,7 @@
             </p:txBody>
           </p:sp>
         </mc:Choice>
-        <mc:Fallback>
+        <mc:Fallback xmlns="">
           <p:sp>
             <p:nvSpPr>
               <p:cNvPr id="29" name="TextBox 28">
@@ -15686,8 +15671,8 @@
           </p:sp>
         </mc:Fallback>
       </mc:AlternateContent>
-      <mc:AlternateContent xmlns:mc="http://schemas.openxmlformats.org/markup-compatibility/2006">
-        <mc:Choice xmlns:a14="http://schemas.microsoft.com/office/drawing/2010/main" Requires="a14">
+      <mc:AlternateContent xmlns:mc="http://schemas.openxmlformats.org/markup-compatibility/2006" xmlns:a14="http://schemas.microsoft.com/office/drawing/2010/main">
+        <mc:Choice Requires="a14">
           <p:sp>
             <p:nvSpPr>
               <p:cNvPr id="31" name="TextBox 30">
@@ -15716,6 +15701,7 @@
               </a:bodyPr>
               <a:lstStyle/>
               <a:p>
+                <a:pPr/>
                 <a14:m>
                   <m:oMathPara xmlns:m="http://schemas.openxmlformats.org/officeDocument/2006/math">
                     <m:oMathParaPr>
@@ -16070,7 +16056,7 @@
                       <m:sSup>
                         <m:sSupPr>
                           <m:ctrlPr>
-                            <a:rPr lang="en-US" b="1" smtClean="0">
+                            <a:rPr lang="en-US" b="1" i="1" smtClean="0">
                               <a:solidFill>
                                 <a:srgbClr val="404040"/>
                               </a:solidFill>
@@ -16118,7 +16104,7 @@
             </p:txBody>
           </p:sp>
         </mc:Choice>
-        <mc:Fallback>
+        <mc:Fallback xmlns="">
           <p:sp>
             <p:nvSpPr>
               <p:cNvPr id="31" name="TextBox 30">
@@ -23687,7 +23673,7 @@
                 </a:solidFill>
                 <a:latin typeface="Corbel" panose="020B0503020204020204" pitchFamily="34" charset="0"/>
               </a:rPr>
-              <a:t>cross-product</a:t>
+              <a:t>dot-product</a:t>
             </a:r>
             <a:r>
               <a:rPr lang="en-US" sz="2000" dirty="0">
@@ -23789,7 +23775,7 @@
                 </a:solidFill>
                 <a:latin typeface="Corbel" panose="020B0503020204020204" pitchFamily="34" charset="0"/>
               </a:rPr>
-              <a:t>Ex: Cross-product</a:t>
+              <a:t>Ex: Usage on Vectors</a:t>
             </a:r>
           </a:p>
           <a:p>
@@ -26083,7 +26069,7 @@
                 </a:solidFill>
                 <a:latin typeface="Corbel" panose="020B0503020204020204" pitchFamily="34" charset="0"/>
               </a:rPr>
-              <a:t>cross-product</a:t>
+              <a:t>dot-product</a:t>
             </a:r>
             <a:r>
               <a:rPr lang="en-US" sz="2000" dirty="0">
@@ -26185,7 +26171,7 @@
                 </a:solidFill>
                 <a:latin typeface="Corbel" panose="020B0503020204020204" pitchFamily="34" charset="0"/>
               </a:rPr>
-              <a:t>Ex: Cross-product</a:t>
+              <a:t>Ex: Usage on Vectors</a:t>
             </a:r>
           </a:p>
           <a:p>
@@ -27316,7 +27302,7 @@
                 </a:solidFill>
                 <a:latin typeface="Corbel" panose="020B0503020204020204" pitchFamily="34" charset="0"/>
               </a:rPr>
-              <a:t>cross-product</a:t>
+              <a:t>dot-product</a:t>
             </a:r>
             <a:r>
               <a:rPr lang="en-US" sz="2000" dirty="0">
@@ -27418,7 +27404,7 @@
                 </a:solidFill>
                 <a:latin typeface="Corbel" panose="020B0503020204020204" pitchFamily="34" charset="0"/>
               </a:rPr>
-              <a:t>Ex: Cross-product</a:t>
+              <a:t>Ex: Usage on Vectors</a:t>
             </a:r>
           </a:p>
           <a:p>
@@ -28492,7 +28478,7 @@
                 </a:solidFill>
                 <a:latin typeface="Corbel" panose="020B0503020204020204" pitchFamily="34" charset="0"/>
               </a:rPr>
-              <a:t>Both MMULT and CROSSPRODUCT can be used in Excel to make the creation of formulas and constraints of linear programs considerably easier</a:t>
+              <a:t>Both MMULT and SUMPRODUCT can be used in Excel to make the creation of formulas and constraints of linear programs considerably easier</a:t>
             </a:r>
           </a:p>
           <a:p>
@@ -40820,7 +40806,7 @@
               <a:buChar char="•"/>
             </a:pPr>
             <a:r>
-              <a:rPr lang="en-US" sz="2000">
+              <a:rPr lang="en-US" sz="2000" dirty="0">
                 <a:solidFill>
                   <a:srgbClr val="404040"/>
                 </a:solidFill>
@@ -40844,16 +40830,7 @@
                 </a:solidFill>
                 <a:latin typeface="Corbel" panose="020B0503020204020204" pitchFamily="34" charset="0"/>
               </a:rPr>
-              <a:t> from website </a:t>
-            </a:r>
-            <a:r>
-              <a:rPr lang="en-US" sz="2000">
-                <a:solidFill>
-                  <a:srgbClr val="404040"/>
-                </a:solidFill>
-                <a:latin typeface="Corbel" panose="020B0503020204020204" pitchFamily="34" charset="0"/>
-              </a:rPr>
-              <a:t>link called </a:t>
+              <a:t> from website link called </a:t>
             </a:r>
             <a:r>
               <a:rPr lang="en-US" sz="2000" dirty="0">
@@ -40862,7 +40839,7 @@
                 </a:solidFill>
                 <a:latin typeface="Corbel" panose="020B0503020204020204" pitchFamily="34" charset="0"/>
               </a:rPr>
-              <a:t>Sheet 2</a:t>
+              <a:t>Sheet 1</a:t>
             </a:r>
           </a:p>
           <a:p>
@@ -45234,8 +45211,8 @@
           </a:p>
         </p:txBody>
       </p:sp>
-      <mc:AlternateContent xmlns:mc="http://schemas.openxmlformats.org/markup-compatibility/2006">
-        <mc:Choice xmlns:a14="http://schemas.microsoft.com/office/drawing/2010/main" Requires="a14">
+      <mc:AlternateContent xmlns:mc="http://schemas.openxmlformats.org/markup-compatibility/2006" xmlns:a14="http://schemas.microsoft.com/office/drawing/2010/main">
+        <mc:Choice Requires="a14">
           <p:sp>
             <p:nvSpPr>
               <p:cNvPr id="36" name="TextBox 35">
@@ -46021,7 +45998,7 @@
                     <m:sSup>
                       <m:sSupPr>
                         <m:ctrlPr>
-                          <a:rPr lang="en-US" sz="2000" b="1" smtClean="0">
+                          <a:rPr lang="en-US" sz="2000" b="1" i="1" smtClean="0">
                             <a:solidFill>
                               <a:srgbClr val="404040"/>
                             </a:solidFill>
@@ -46085,7 +46062,7 @@
             </p:txBody>
           </p:sp>
         </mc:Choice>
-        <mc:Fallback>
+        <mc:Fallback xmlns="">
           <p:sp>
             <p:nvSpPr>
               <p:cNvPr id="36" name="TextBox 35">

--- a/Lectures/Lecture 6/Lecture 6.pptx
+++ b/Lectures/Lecture 6/Lecture 6.pptx
@@ -236,7 +236,7 @@
           <a:p>
             <a:fld id="{467FE51A-BC06-4E6F-B1DA-B477364E598F}" type="datetimeFigureOut">
               <a:rPr lang="en-US" smtClean="0"/>
-              <a:t>1/24/2020</a:t>
+              <a:t>2/2/2021</a:t>
             </a:fld>
             <a:endParaRPr lang="en-US"/>
           </a:p>
@@ -2498,7 +2498,7 @@
           <a:p>
             <a:fld id="{11C4ABE2-2F1A-4C31-A43A-C3E7CE49CE95}" type="datetimeFigureOut">
               <a:rPr lang="en-US" smtClean="0"/>
-              <a:t>1/24/2020</a:t>
+              <a:t>2/2/2021</a:t>
             </a:fld>
             <a:endParaRPr lang="en-US"/>
           </a:p>
@@ -2696,7 +2696,7 @@
           <a:p>
             <a:fld id="{11C4ABE2-2F1A-4C31-A43A-C3E7CE49CE95}" type="datetimeFigureOut">
               <a:rPr lang="en-US" smtClean="0"/>
-              <a:t>1/24/2020</a:t>
+              <a:t>2/2/2021</a:t>
             </a:fld>
             <a:endParaRPr lang="en-US"/>
           </a:p>
@@ -2904,7 +2904,7 @@
           <a:p>
             <a:fld id="{11C4ABE2-2F1A-4C31-A43A-C3E7CE49CE95}" type="datetimeFigureOut">
               <a:rPr lang="en-US" smtClean="0"/>
-              <a:t>1/24/2020</a:t>
+              <a:t>2/2/2021</a:t>
             </a:fld>
             <a:endParaRPr lang="en-US"/>
           </a:p>
@@ -3102,7 +3102,7 @@
           <a:p>
             <a:fld id="{11C4ABE2-2F1A-4C31-A43A-C3E7CE49CE95}" type="datetimeFigureOut">
               <a:rPr lang="en-US" smtClean="0"/>
-              <a:t>1/24/2020</a:t>
+              <a:t>2/2/2021</a:t>
             </a:fld>
             <a:endParaRPr lang="en-US"/>
           </a:p>
@@ -3377,7 +3377,7 @@
           <a:p>
             <a:fld id="{11C4ABE2-2F1A-4C31-A43A-C3E7CE49CE95}" type="datetimeFigureOut">
               <a:rPr lang="en-US" smtClean="0"/>
-              <a:t>1/24/2020</a:t>
+              <a:t>2/2/2021</a:t>
             </a:fld>
             <a:endParaRPr lang="en-US"/>
           </a:p>
@@ -3642,7 +3642,7 @@
           <a:p>
             <a:fld id="{11C4ABE2-2F1A-4C31-A43A-C3E7CE49CE95}" type="datetimeFigureOut">
               <a:rPr lang="en-US" smtClean="0"/>
-              <a:t>1/24/2020</a:t>
+              <a:t>2/2/2021</a:t>
             </a:fld>
             <a:endParaRPr lang="en-US"/>
           </a:p>
@@ -4054,7 +4054,7 @@
           <a:p>
             <a:fld id="{11C4ABE2-2F1A-4C31-A43A-C3E7CE49CE95}" type="datetimeFigureOut">
               <a:rPr lang="en-US" smtClean="0"/>
-              <a:t>1/24/2020</a:t>
+              <a:t>2/2/2021</a:t>
             </a:fld>
             <a:endParaRPr lang="en-US"/>
           </a:p>
@@ -4195,7 +4195,7 @@
           <a:p>
             <a:fld id="{11C4ABE2-2F1A-4C31-A43A-C3E7CE49CE95}" type="datetimeFigureOut">
               <a:rPr lang="en-US" smtClean="0"/>
-              <a:t>1/24/2020</a:t>
+              <a:t>2/2/2021</a:t>
             </a:fld>
             <a:endParaRPr lang="en-US"/>
           </a:p>
@@ -4308,7 +4308,7 @@
           <a:p>
             <a:fld id="{11C4ABE2-2F1A-4C31-A43A-C3E7CE49CE95}" type="datetimeFigureOut">
               <a:rPr lang="en-US" smtClean="0"/>
-              <a:t>1/24/2020</a:t>
+              <a:t>2/2/2021</a:t>
             </a:fld>
             <a:endParaRPr lang="en-US"/>
           </a:p>
@@ -4619,7 +4619,7 @@
           <a:p>
             <a:fld id="{11C4ABE2-2F1A-4C31-A43A-C3E7CE49CE95}" type="datetimeFigureOut">
               <a:rPr lang="en-US" smtClean="0"/>
-              <a:t>1/24/2020</a:t>
+              <a:t>2/2/2021</a:t>
             </a:fld>
             <a:endParaRPr lang="en-US"/>
           </a:p>
@@ -4907,7 +4907,7 @@
           <a:p>
             <a:fld id="{11C4ABE2-2F1A-4C31-A43A-C3E7CE49CE95}" type="datetimeFigureOut">
               <a:rPr lang="en-US" smtClean="0"/>
-              <a:t>1/24/2020</a:t>
+              <a:t>2/2/2021</a:t>
             </a:fld>
             <a:endParaRPr lang="en-US"/>
           </a:p>
@@ -5148,7 +5148,7 @@
           <a:p>
             <a:fld id="{11C4ABE2-2F1A-4C31-A43A-C3E7CE49CE95}" type="datetimeFigureOut">
               <a:rPr lang="en-US" smtClean="0"/>
-              <a:t>1/24/2020</a:t>
+              <a:t>2/2/2021</a:t>
             </a:fld>
             <a:endParaRPr lang="en-US"/>
           </a:p>
@@ -8343,8 +8343,8 @@
           </a:p>
         </p:txBody>
       </p:sp>
-      <mc:AlternateContent xmlns:mc="http://schemas.openxmlformats.org/markup-compatibility/2006">
-        <mc:Choice xmlns:a14="http://schemas.microsoft.com/office/drawing/2010/main" Requires="a14">
+      <mc:AlternateContent xmlns:mc="http://schemas.openxmlformats.org/markup-compatibility/2006" xmlns:a14="http://schemas.microsoft.com/office/drawing/2010/main">
+        <mc:Choice Requires="a14">
           <p:sp>
             <p:nvSpPr>
               <p:cNvPr id="36" name="TextBox 35">
@@ -9550,7 +9550,7 @@
             </p:txBody>
           </p:sp>
         </mc:Choice>
-        <mc:Fallback>
+        <mc:Fallback xmlns="">
           <p:sp>
             <p:nvSpPr>
               <p:cNvPr id="36" name="TextBox 35">
@@ -27311,25 +27311,7 @@
                 </a:solidFill>
                 <a:latin typeface="Corbel" panose="020B0503020204020204" pitchFamily="34" charset="0"/>
               </a:rPr>
-              <a:t> or </a:t>
-            </a:r>
-            <a:r>
-              <a:rPr lang="en-US" sz="2000" dirty="0">
-                <a:solidFill>
-                  <a:srgbClr val="A71B86"/>
-                </a:solidFill>
-                <a:latin typeface="Corbel" panose="020B0503020204020204" pitchFamily="34" charset="0"/>
-              </a:rPr>
-              <a:t>vector-product </a:t>
-            </a:r>
-            <a:r>
-              <a:rPr lang="en-US" sz="2000" dirty="0">
-                <a:solidFill>
-                  <a:srgbClr val="404040"/>
-                </a:solidFill>
-                <a:latin typeface="Corbel" panose="020B0503020204020204" pitchFamily="34" charset="0"/>
-              </a:rPr>
-              <a:t>when the arrays are vectors</a:t>
+              <a:t> when the arrays are vectors</a:t>
             </a:r>
           </a:p>
           <a:p>

--- a/Lectures/Lecture 6/Lecture 6.pptx
+++ b/Lectures/Lecture 6/Lecture 6.pptx
@@ -236,7 +236,7 @@
           <a:p>
             <a:fld id="{467FE51A-BC06-4E6F-B1DA-B477364E598F}" type="datetimeFigureOut">
               <a:rPr lang="en-US" smtClean="0"/>
-              <a:t>2/2/2021</a:t>
+              <a:t>2/8/2021</a:t>
             </a:fld>
             <a:endParaRPr lang="en-US"/>
           </a:p>
@@ -2498,7 +2498,7 @@
           <a:p>
             <a:fld id="{11C4ABE2-2F1A-4C31-A43A-C3E7CE49CE95}" type="datetimeFigureOut">
               <a:rPr lang="en-US" smtClean="0"/>
-              <a:t>2/2/2021</a:t>
+              <a:t>2/8/2021</a:t>
             </a:fld>
             <a:endParaRPr lang="en-US"/>
           </a:p>
@@ -2696,7 +2696,7 @@
           <a:p>
             <a:fld id="{11C4ABE2-2F1A-4C31-A43A-C3E7CE49CE95}" type="datetimeFigureOut">
               <a:rPr lang="en-US" smtClean="0"/>
-              <a:t>2/2/2021</a:t>
+              <a:t>2/8/2021</a:t>
             </a:fld>
             <a:endParaRPr lang="en-US"/>
           </a:p>
@@ -2904,7 +2904,7 @@
           <a:p>
             <a:fld id="{11C4ABE2-2F1A-4C31-A43A-C3E7CE49CE95}" type="datetimeFigureOut">
               <a:rPr lang="en-US" smtClean="0"/>
-              <a:t>2/2/2021</a:t>
+              <a:t>2/8/2021</a:t>
             </a:fld>
             <a:endParaRPr lang="en-US"/>
           </a:p>
@@ -3102,7 +3102,7 @@
           <a:p>
             <a:fld id="{11C4ABE2-2F1A-4C31-A43A-C3E7CE49CE95}" type="datetimeFigureOut">
               <a:rPr lang="en-US" smtClean="0"/>
-              <a:t>2/2/2021</a:t>
+              <a:t>2/8/2021</a:t>
             </a:fld>
             <a:endParaRPr lang="en-US"/>
           </a:p>
@@ -3377,7 +3377,7 @@
           <a:p>
             <a:fld id="{11C4ABE2-2F1A-4C31-A43A-C3E7CE49CE95}" type="datetimeFigureOut">
               <a:rPr lang="en-US" smtClean="0"/>
-              <a:t>2/2/2021</a:t>
+              <a:t>2/8/2021</a:t>
             </a:fld>
             <a:endParaRPr lang="en-US"/>
           </a:p>
@@ -3642,7 +3642,7 @@
           <a:p>
             <a:fld id="{11C4ABE2-2F1A-4C31-A43A-C3E7CE49CE95}" type="datetimeFigureOut">
               <a:rPr lang="en-US" smtClean="0"/>
-              <a:t>2/2/2021</a:t>
+              <a:t>2/8/2021</a:t>
             </a:fld>
             <a:endParaRPr lang="en-US"/>
           </a:p>
@@ -4054,7 +4054,7 @@
           <a:p>
             <a:fld id="{11C4ABE2-2F1A-4C31-A43A-C3E7CE49CE95}" type="datetimeFigureOut">
               <a:rPr lang="en-US" smtClean="0"/>
-              <a:t>2/2/2021</a:t>
+              <a:t>2/8/2021</a:t>
             </a:fld>
             <a:endParaRPr lang="en-US"/>
           </a:p>
@@ -4195,7 +4195,7 @@
           <a:p>
             <a:fld id="{11C4ABE2-2F1A-4C31-A43A-C3E7CE49CE95}" type="datetimeFigureOut">
               <a:rPr lang="en-US" smtClean="0"/>
-              <a:t>2/2/2021</a:t>
+              <a:t>2/8/2021</a:t>
             </a:fld>
             <a:endParaRPr lang="en-US"/>
           </a:p>
@@ -4308,7 +4308,7 @@
           <a:p>
             <a:fld id="{11C4ABE2-2F1A-4C31-A43A-C3E7CE49CE95}" type="datetimeFigureOut">
               <a:rPr lang="en-US" smtClean="0"/>
-              <a:t>2/2/2021</a:t>
+              <a:t>2/8/2021</a:t>
             </a:fld>
             <a:endParaRPr lang="en-US"/>
           </a:p>
@@ -4619,7 +4619,7 @@
           <a:p>
             <a:fld id="{11C4ABE2-2F1A-4C31-A43A-C3E7CE49CE95}" type="datetimeFigureOut">
               <a:rPr lang="en-US" smtClean="0"/>
-              <a:t>2/2/2021</a:t>
+              <a:t>2/8/2021</a:t>
             </a:fld>
             <a:endParaRPr lang="en-US"/>
           </a:p>
@@ -4907,7 +4907,7 @@
           <a:p>
             <a:fld id="{11C4ABE2-2F1A-4C31-A43A-C3E7CE49CE95}" type="datetimeFigureOut">
               <a:rPr lang="en-US" smtClean="0"/>
-              <a:t>2/2/2021</a:t>
+              <a:t>2/8/2021</a:t>
             </a:fld>
             <a:endParaRPr lang="en-US"/>
           </a:p>
@@ -5148,7 +5148,7 @@
           <a:p>
             <a:fld id="{11C4ABE2-2F1A-4C31-A43A-C3E7CE49CE95}" type="datetimeFigureOut">
               <a:rPr lang="en-US" smtClean="0"/>
-              <a:t>2/2/2021</a:t>
+              <a:t>2/8/2021</a:t>
             </a:fld>
             <a:endParaRPr lang="en-US"/>
           </a:p>
@@ -31406,7 +31406,25 @@
                 </a:solidFill>
                 <a:latin typeface="Corbel" panose="020B0503020204020204" pitchFamily="34" charset="0"/>
               </a:rPr>
-              <a:t>=MMULT(B4:C4,x)</a:t>
+              <a:t>=MMULT</a:t>
+            </a:r>
+            <a:r>
+              <a:rPr lang="en-US" sz="2000">
+                <a:solidFill>
+                  <a:srgbClr val="A71B86"/>
+                </a:solidFill>
+                <a:latin typeface="Corbel" panose="020B0503020204020204" pitchFamily="34" charset="0"/>
+              </a:rPr>
+              <a:t>(B3:</a:t>
+            </a:r>
+            <a:r>
+              <a:rPr lang="en-US" sz="2000" dirty="0">
+                <a:solidFill>
+                  <a:srgbClr val="A71B86"/>
+                </a:solidFill>
+                <a:latin typeface="Corbel" panose="020B0503020204020204" pitchFamily="34" charset="0"/>
+              </a:rPr>
+              <a:t>C4,x)</a:t>
             </a:r>
           </a:p>
         </p:txBody>
